--- a/MLP_Project/0402/210402_MLP_HWlee.pptx
+++ b/MLP_Project/0402/210402_MLP_HWlee.pptx
@@ -5220,15 +5220,19 @@
             </a:pPr>
             <a:r>
               <a:rPr lang="en-US" altLang="ko-KR"/>
-              <a:t>Deep RL base (paper)</a:t>
-            </a:r>
-          </a:p>
-          <a:p>
-            <a:pPr lvl="1">
-              <a:lnSpc>
-                <a:spcPct val="100000"/>
-              </a:lnSpc>
-            </a:pPr>
+              <a:t>Deep RL base</a:t>
+            </a:r>
+          </a:p>
+          <a:p>
+            <a:pPr lvl="2">
+              <a:lnSpc>
+                <a:spcPct val="100000"/>
+              </a:lnSpc>
+            </a:pPr>
+            <a:r>
+              <a:rPr lang="en-US" altLang="ko-KR"/>
+              <a:t>papers</a:t>
+            </a:r>
             <a:endParaRPr lang="en-US" altLang="ko-KR">
               <a:hlinkClick r:id="rId2"/>
             </a:endParaRPr>
@@ -5239,28 +5243,63 @@
                 <a:spcPct val="100000"/>
               </a:lnSpc>
             </a:pPr>
+            <a:endParaRPr lang="en-US" altLang="ko-KR">
+              <a:hlinkClick r:id="rId2"/>
+            </a:endParaRPr>
+          </a:p>
+          <a:p>
+            <a:pPr lvl="1">
+              <a:lnSpc>
+                <a:spcPct val="100000"/>
+              </a:lnSpc>
+            </a:pPr>
+            <a:r>
+              <a:rPr lang="en-US" altLang="ko-KR">
+                <a:hlinkClick r:id="rId3"/>
+              </a:rPr>
+              <a:t>https://github.com/HumanCompatibleAI/adversarial-policies</a:t>
+            </a:r>
+            <a:endParaRPr lang="en-US" altLang="ko-KR"/>
+          </a:p>
+          <a:p>
+            <a:pPr lvl="1">
+              <a:lnSpc>
+                <a:spcPct val="100000"/>
+              </a:lnSpc>
+            </a:pPr>
+            <a:endParaRPr lang="en-US" altLang="ko-KR"/>
+          </a:p>
+          <a:p>
+            <a:pPr lvl="1">
+              <a:lnSpc>
+                <a:spcPct val="100000"/>
+              </a:lnSpc>
+            </a:pPr>
             <a:r>
               <a:rPr lang="en-US" altLang="ko-KR"/>
-              <a:t>https://github.com/HumanCompatibleAI/adversarial-policies</a:t>
-            </a:r>
-          </a:p>
-          <a:p>
-            <a:pPr lvl="1">
-              <a:lnSpc>
-                <a:spcPct val="100000"/>
-              </a:lnSpc>
-            </a:pPr>
-            <a:endParaRPr lang="en-US" altLang="ko-KR"/>
-          </a:p>
-          <a:p>
-            <a:pPr lvl="1">
+              <a:t>Agent</a:t>
+            </a:r>
+          </a:p>
+          <a:p>
+            <a:pPr lvl="2">
               <a:lnSpc>
                 <a:spcPct val="100000"/>
               </a:lnSpc>
             </a:pPr>
             <a:r>
               <a:rPr lang="en-US" altLang="ko-KR"/>
-              <a:t>Unoptimized mobile robot (Immergent situation)</a:t>
+              <a:t>Unoptimized mobile robot (Urgent situation)</a:t>
+            </a:r>
+          </a:p>
+          <a:p>
+            <a:pPr lvl="2">
+              <a:lnSpc>
+                <a:spcPct val="100000"/>
+              </a:lnSpc>
+            </a:pPr>
+            <a:r>
+              <a:rPr lang="en-US" altLang="ko-KR"/>
+              <a:t>Simple adverse agnet</a:t>
             </a:r>
           </a:p>
           <a:p>

--- a/MLP_Project/0402/210402_MLP_HWlee.pptx
+++ b/MLP_Project/0402/210402_MLP_HWlee.pptx
@@ -5,13 +5,14 @@
     <p:sldMasterId id="2147483660" r:id="rId1"/>
   </p:sldMasterIdLst>
   <p:notesMasterIdLst>
-    <p:notesMasterId r:id="rId6"/>
+    <p:notesMasterId r:id="rId7"/>
   </p:notesMasterIdLst>
   <p:sldIdLst>
     <p:sldId id="260" r:id="rId2"/>
     <p:sldId id="289" r:id="rId3"/>
     <p:sldId id="286" r:id="rId4"/>
     <p:sldId id="288" r:id="rId5"/>
+    <p:sldId id="290" r:id="rId6"/>
   </p:sldIdLst>
   <p:sldSz cx="9144000" cy="6858000" type="screen4x3"/>
   <p:notesSz cx="6858000" cy="9144000"/>
@@ -4808,7 +4809,7 @@
               </a:lnSpc>
             </a:pPr>
             <a:r>
-              <a:rPr lang="en-US" altLang="ko-KR"/>
+              <a:rPr lang="en-US" altLang="ko-KR" dirty="0"/>
               <a:t>VRPTW (Typical problem)</a:t>
             </a:r>
           </a:p>
@@ -4819,7 +4820,7 @@
               </a:lnSpc>
             </a:pPr>
             <a:r>
-              <a:rPr lang="en-US" altLang="ko-KR"/>
+              <a:rPr lang="en-US" altLang="ko-KR" dirty="0"/>
               <a:t>Great method to find optimal solution of VRP</a:t>
             </a:r>
           </a:p>
@@ -4830,7 +4831,7 @@
               </a:lnSpc>
             </a:pPr>
             <a:r>
-              <a:rPr lang="en-US" altLang="ko-KR"/>
+              <a:rPr lang="en-US" altLang="ko-KR" dirty="0"/>
               <a:t>Already done → State-of-art </a:t>
             </a:r>
           </a:p>
@@ -4840,7 +4841,7 @@
                 <a:spcPct val="100000"/>
               </a:lnSpc>
             </a:pPr>
-            <a:endParaRPr lang="en-US" altLang="ko-KR"/>
+            <a:endParaRPr lang="en-US" altLang="ko-KR" dirty="0"/>
           </a:p>
           <a:p>
             <a:pPr lvl="1">
@@ -4849,8 +4850,16 @@
               </a:lnSpc>
             </a:pPr>
             <a:r>
-              <a:rPr lang="en-US" altLang="ko-KR"/>
-              <a:t>Easy to Simulation (Add time window rule in RAWSim-O)</a:t>
+              <a:rPr lang="en-US" altLang="ko-KR" dirty="0"/>
+              <a:t>Easy to Simulation (Add time window rule in </a:t>
+            </a:r>
+            <a:r>
+              <a:rPr lang="en-US" altLang="ko-KR" dirty="0" err="1"/>
+              <a:t>RAWSim</a:t>
+            </a:r>
+            <a:r>
+              <a:rPr lang="en-US" altLang="ko-KR" dirty="0"/>
+              <a:t>-O)</a:t>
             </a:r>
           </a:p>
           <a:p>
@@ -4859,7 +4868,7 @@
                 <a:spcPct val="100000"/>
               </a:lnSpc>
             </a:pPr>
-            <a:endParaRPr lang="en-US" altLang="ko-KR"/>
+            <a:endParaRPr lang="en-US" altLang="ko-KR" dirty="0"/>
           </a:p>
           <a:p>
             <a:pPr lvl="1">
@@ -4868,7 +4877,7 @@
               </a:lnSpc>
             </a:pPr>
             <a:r>
-              <a:rPr lang="en-US" altLang="ko-KR"/>
+              <a:rPr lang="en-US" altLang="ko-KR" dirty="0"/>
               <a:t>Paper</a:t>
             </a:r>
           </a:p>
@@ -4879,7 +4888,7 @@
               </a:lnSpc>
             </a:pPr>
             <a:r>
-              <a:rPr lang="en-US" altLang="ko-KR"/>
+              <a:rPr lang="en-US" altLang="ko-KR" dirty="0"/>
               <a:t>Solving Large-Scale VRP with Time windows</a:t>
             </a:r>
           </a:p>
@@ -4890,7 +4899,7 @@
               </a:lnSpc>
             </a:pPr>
             <a:r>
-              <a:rPr lang="en-US" altLang="ko-KR" i="0">
+              <a:rPr lang="en-US" altLang="ko-KR" i="0" dirty="0">
                 <a:solidFill>
                   <a:srgbClr val="333333"/>
                 </a:solidFill>
@@ -4907,7 +4916,7 @@
               </a:lnSpc>
             </a:pPr>
             <a:r>
-              <a:rPr lang="en-US" altLang="ko-KR" b="1" i="0">
+              <a:rPr lang="en-US" altLang="ko-KR" b="1" i="0" dirty="0">
                 <a:solidFill>
                   <a:srgbClr val="202225"/>
                 </a:solidFill>
@@ -4923,7 +4932,7 @@
                 <a:spcPct val="100000"/>
               </a:lnSpc>
             </a:pPr>
-            <a:endParaRPr lang="en-US" altLang="ko-KR" b="1">
+            <a:endParaRPr lang="en-US" altLang="ko-KR" b="1" dirty="0">
               <a:solidFill>
                 <a:srgbClr val="202225"/>
               </a:solidFill>
@@ -4937,7 +4946,7 @@
               </a:lnSpc>
             </a:pPr>
             <a:r>
-              <a:rPr lang="ko-KR" altLang="en-US">
+              <a:rPr lang="ko-KR" altLang="en-US" dirty="0">
                 <a:solidFill>
                   <a:srgbClr val="202225"/>
                 </a:solidFill>
@@ -4946,7 +4955,7 @@
               <a:t>참고</a:t>
             </a:r>
             <a:r>
-              <a:rPr lang="en-US" altLang="ko-KR">
+              <a:rPr lang="en-US" altLang="ko-KR" dirty="0">
                 <a:solidFill>
                   <a:srgbClr val="202225"/>
                 </a:solidFill>
@@ -4962,7 +4971,7 @@
               </a:lnSpc>
             </a:pPr>
             <a:r>
-              <a:rPr lang="en-US" altLang="ko-KR">
+              <a:rPr lang="en-US" altLang="ko-KR" dirty="0">
                 <a:solidFill>
                   <a:srgbClr val="202225"/>
                 </a:solidFill>
@@ -4978,7 +4987,7 @@
               </a:lnSpc>
             </a:pPr>
             <a:r>
-              <a:rPr lang="en-US" altLang="ko-KR">
+              <a:rPr lang="en-US" altLang="ko-KR" dirty="0">
                 <a:solidFill>
                   <a:srgbClr val="202225"/>
                 </a:solidFill>
@@ -4993,7 +5002,7 @@
                 <a:spcPct val="100000"/>
               </a:lnSpc>
             </a:pPr>
-            <a:endParaRPr lang="en-US" altLang="ko-KR">
+            <a:endParaRPr lang="en-US" altLang="ko-KR" dirty="0">
               <a:solidFill>
                 <a:srgbClr val="202225"/>
               </a:solidFill>
@@ -5007,7 +5016,7 @@
               </a:lnSpc>
             </a:pPr>
             <a:r>
-              <a:rPr lang="en-US" altLang="ko-KR"/>
+              <a:rPr lang="en-US" altLang="ko-KR" dirty="0"/>
               <a:t>Multi –depot-VRP</a:t>
             </a:r>
           </a:p>
@@ -5018,7 +5027,7 @@
               </a:lnSpc>
             </a:pPr>
             <a:r>
-              <a:rPr lang="en-US" altLang="ko-KR"/>
+              <a:rPr lang="en-US" altLang="ko-KR" dirty="0"/>
               <a:t>https://github.com/graphhopper/jsprit/blob/master/docs/Multiple-Depot-VRP.md</a:t>
             </a:r>
           </a:p>
@@ -5028,7 +5037,7 @@
                 <a:spcPct val="100000"/>
               </a:lnSpc>
             </a:pPr>
-            <a:endParaRPr lang="en-US" altLang="ko-KR"/>
+            <a:endParaRPr lang="en-US" altLang="ko-KR" dirty="0"/>
           </a:p>
           <a:p>
             <a:pPr lvl="1">
@@ -5036,7 +5045,7 @@
                 <a:spcPct val="100000"/>
               </a:lnSpc>
             </a:pPr>
-            <a:endParaRPr lang="en-US" altLang="ko-KR"/>
+            <a:endParaRPr lang="en-US" altLang="ko-KR" dirty="0"/>
           </a:p>
           <a:p>
             <a:pPr>
@@ -5044,7 +5053,7 @@
                 <a:spcPct val="100000"/>
               </a:lnSpc>
             </a:pPr>
-            <a:endParaRPr lang="en-US" altLang="ko-KR"/>
+            <a:endParaRPr lang="en-US" altLang="ko-KR" dirty="0"/>
           </a:p>
           <a:p>
             <a:pPr lvl="1">
@@ -5208,8 +5217,12 @@
               </a:lnSpc>
             </a:pPr>
             <a:r>
-              <a:rPr lang="en-US" altLang="ko-KR"/>
-              <a:t>Adversiral agent -- RL</a:t>
+              <a:rPr lang="en-US" altLang="ko-KR" dirty="0" err="1"/>
+              <a:t>Adversiral</a:t>
+            </a:r>
+            <a:r>
+              <a:rPr lang="en-US" altLang="ko-KR" dirty="0"/>
+              <a:t> agent -- RL</a:t>
             </a:r>
           </a:p>
           <a:p>
@@ -5219,7 +5232,7 @@
               </a:lnSpc>
             </a:pPr>
             <a:r>
-              <a:rPr lang="en-US" altLang="ko-KR"/>
+              <a:rPr lang="en-US" altLang="ko-KR" dirty="0"/>
               <a:t>Deep RL base</a:t>
             </a:r>
           </a:p>
@@ -5230,10 +5243,10 @@
               </a:lnSpc>
             </a:pPr>
             <a:r>
-              <a:rPr lang="en-US" altLang="ko-KR"/>
+              <a:rPr lang="en-US" altLang="ko-KR" dirty="0"/>
               <a:t>papers</a:t>
             </a:r>
-            <a:endParaRPr lang="en-US" altLang="ko-KR">
+            <a:endParaRPr lang="en-US" altLang="ko-KR" dirty="0">
               <a:hlinkClick r:id="rId2"/>
             </a:endParaRPr>
           </a:p>
@@ -5243,7 +5256,7 @@
                 <a:spcPct val="100000"/>
               </a:lnSpc>
             </a:pPr>
-            <a:endParaRPr lang="en-US" altLang="ko-KR">
+            <a:endParaRPr lang="en-US" altLang="ko-KR" dirty="0">
               <a:hlinkClick r:id="rId2"/>
             </a:endParaRPr>
           </a:p>
@@ -5254,12 +5267,12 @@
               </a:lnSpc>
             </a:pPr>
             <a:r>
-              <a:rPr lang="en-US" altLang="ko-KR">
+              <a:rPr lang="en-US" altLang="ko-KR" dirty="0">
                 <a:hlinkClick r:id="rId3"/>
               </a:rPr>
               <a:t>https://github.com/HumanCompatibleAI/adversarial-policies</a:t>
             </a:r>
-            <a:endParaRPr lang="en-US" altLang="ko-KR"/>
+            <a:endParaRPr lang="en-US" altLang="ko-KR" dirty="0"/>
           </a:p>
           <a:p>
             <a:pPr lvl="1">
@@ -5267,7 +5280,7 @@
                 <a:spcPct val="100000"/>
               </a:lnSpc>
             </a:pPr>
-            <a:endParaRPr lang="en-US" altLang="ko-KR"/>
+            <a:endParaRPr lang="en-US" altLang="ko-KR" dirty="0"/>
           </a:p>
           <a:p>
             <a:pPr lvl="1">
@@ -5276,7 +5289,7 @@
               </a:lnSpc>
             </a:pPr>
             <a:r>
-              <a:rPr lang="en-US" altLang="ko-KR"/>
+              <a:rPr lang="en-US" altLang="ko-KR" dirty="0"/>
               <a:t>Agent</a:t>
             </a:r>
           </a:p>
@@ -5287,7 +5300,7 @@
               </a:lnSpc>
             </a:pPr>
             <a:r>
-              <a:rPr lang="en-US" altLang="ko-KR"/>
+              <a:rPr lang="en-US" altLang="ko-KR" dirty="0"/>
               <a:t>Unoptimized mobile robot (Urgent situation)</a:t>
             </a:r>
           </a:p>
@@ -5298,9 +5311,14 @@
               </a:lnSpc>
             </a:pPr>
             <a:r>
-              <a:rPr lang="en-US" altLang="ko-KR"/>
-              <a:t>Simple adverse agnet</a:t>
-            </a:r>
+              <a:rPr lang="en-US" altLang="ko-KR" dirty="0"/>
+              <a:t>Simple adverse </a:t>
+            </a:r>
+            <a:r>
+              <a:rPr lang="en-US" altLang="ko-KR" dirty="0" err="1"/>
+              <a:t>agnet</a:t>
+            </a:r>
+            <a:endParaRPr lang="en-US" altLang="ko-KR" dirty="0"/>
           </a:p>
           <a:p>
             <a:pPr lvl="1">
@@ -5308,7 +5326,7 @@
                 <a:spcPct val="100000"/>
               </a:lnSpc>
             </a:pPr>
-            <a:endParaRPr lang="en-US" altLang="ko-KR"/>
+            <a:endParaRPr lang="en-US" altLang="ko-KR" dirty="0"/>
           </a:p>
           <a:p>
             <a:pPr lvl="1">
@@ -5317,7 +5335,7 @@
               </a:lnSpc>
             </a:pPr>
             <a:r>
-              <a:rPr lang="en-US" altLang="ko-KR"/>
+              <a:rPr lang="en-US" altLang="ko-KR" dirty="0"/>
               <a:t>How to simulation?</a:t>
             </a:r>
           </a:p>
@@ -5328,7 +5346,7 @@
               </a:lnSpc>
             </a:pPr>
             <a:r>
-              <a:rPr lang="en-US" altLang="ko-KR"/>
+              <a:rPr lang="en-US" altLang="ko-KR" dirty="0"/>
               <a:t>RL?</a:t>
             </a:r>
           </a:p>
@@ -5338,7 +5356,7 @@
                 <a:spcPct val="100000"/>
               </a:lnSpc>
             </a:pPr>
-            <a:endParaRPr lang="en-US" altLang="ko-KR"/>
+            <a:endParaRPr lang="en-US" altLang="ko-KR" dirty="0"/>
           </a:p>
           <a:p>
             <a:pPr>
@@ -5347,8 +5365,16 @@
               </a:lnSpc>
             </a:pPr>
             <a:r>
-              <a:rPr lang="en-US" altLang="ko-KR"/>
-              <a:t>W/O RL ? (Only add adeverial agent)</a:t>
+              <a:rPr lang="en-US" altLang="ko-KR" dirty="0"/>
+              <a:t>W/O RL ? (Only add </a:t>
+            </a:r>
+            <a:r>
+              <a:rPr lang="en-US" altLang="ko-KR" dirty="0" err="1"/>
+              <a:t>adeverial</a:t>
+            </a:r>
+            <a:r>
+              <a:rPr lang="en-US" altLang="ko-KR" dirty="0"/>
+              <a:t> agent)</a:t>
             </a:r>
           </a:p>
           <a:p>
@@ -5358,7 +5384,7 @@
               </a:lnSpc>
             </a:pPr>
             <a:r>
-              <a:rPr lang="en-US" altLang="ko-KR"/>
+              <a:rPr lang="en-US" altLang="ko-KR" dirty="0"/>
               <a:t>Rule base controller</a:t>
             </a:r>
           </a:p>
@@ -5368,7 +5394,7 @@
                 <a:spcPct val="100000"/>
               </a:lnSpc>
             </a:pPr>
-            <a:endParaRPr lang="en-US" altLang="ko-KR"/>
+            <a:endParaRPr lang="en-US" altLang="ko-KR" dirty="0"/>
           </a:p>
           <a:p>
             <a:pPr>
@@ -5376,7 +5402,7 @@
                 <a:spcPct val="100000"/>
               </a:lnSpc>
             </a:pPr>
-            <a:endParaRPr lang="en-US" altLang="ko-KR"/>
+            <a:endParaRPr lang="en-US" altLang="ko-KR" dirty="0"/>
           </a:p>
           <a:p>
             <a:pPr lvl="1">
@@ -5416,6 +5442,355 @@
     <p:extLst>
       <p:ext uri="{BB962C8B-B14F-4D97-AF65-F5344CB8AC3E}">
         <p14:creationId xmlns:p14="http://schemas.microsoft.com/office/powerpoint/2010/main" val="1154020118"/>
+      </p:ext>
+    </p:extLst>
+  </p:cSld>
+  <p:clrMapOvr>
+    <a:masterClrMapping/>
+  </p:clrMapOvr>
+</p:sld>
+</file>
+
+<file path=ppt/slides/slide5.xml><?xml version="1.0" encoding="utf-8"?>
+<p:sld xmlns:a="http://schemas.openxmlformats.org/drawingml/2006/main" xmlns:r="http://schemas.openxmlformats.org/officeDocument/2006/relationships" xmlns:p="http://schemas.openxmlformats.org/presentationml/2006/main">
+  <p:cSld>
+    <p:spTree>
+      <p:nvGrpSpPr>
+        <p:cNvPr id="1" name=""/>
+        <p:cNvGrpSpPr/>
+        <p:nvPr/>
+      </p:nvGrpSpPr>
+      <p:grpSpPr>
+        <a:xfrm>
+          <a:off x="0" y="0"/>
+          <a:ext cx="0" cy="0"/>
+          <a:chOff x="0" y="0"/>
+          <a:chExt cx="0" cy="0"/>
+        </a:xfrm>
+      </p:grpSpPr>
+      <p:sp>
+        <p:nvSpPr>
+          <p:cNvPr id="2" name="슬라이드 번호 개체 틀 1">
+            <a:extLst>
+              <a:ext uri="{FF2B5EF4-FFF2-40B4-BE49-F238E27FC236}">
+                <a16:creationId xmlns:a16="http://schemas.microsoft.com/office/drawing/2014/main" id="{46CC4388-5CBE-4814-8E8B-FAB97B394E89}"/>
+              </a:ext>
+            </a:extLst>
+          </p:cNvPr>
+          <p:cNvSpPr>
+            <a:spLocks noGrp="1"/>
+          </p:cNvSpPr>
+          <p:nvPr>
+            <p:ph type="sldNum" sz="quarter" idx="12"/>
+          </p:nvPr>
+        </p:nvSpPr>
+        <p:spPr/>
+        <p:txBody>
+          <a:bodyPr/>
+          <a:lstStyle/>
+          <a:p>
+            <a:fld id="{A1806F79-321D-440B-81D1-3409D93E33A7}" type="slidenum">
+              <a:rPr lang="ko-KR" altLang="en-US" smtClean="0"/>
+              <a:pPr/>
+              <a:t>5</a:t>
+            </a:fld>
+            <a:endParaRPr lang="ko-KR" altLang="en-US"/>
+          </a:p>
+        </p:txBody>
+      </p:sp>
+      <p:sp>
+        <p:nvSpPr>
+          <p:cNvPr id="3" name="제목 2">
+            <a:extLst>
+              <a:ext uri="{FF2B5EF4-FFF2-40B4-BE49-F238E27FC236}">
+                <a16:creationId xmlns:a16="http://schemas.microsoft.com/office/drawing/2014/main" id="{047B81AA-680E-486D-99E8-DCEB0D351281}"/>
+              </a:ext>
+            </a:extLst>
+          </p:cNvPr>
+          <p:cNvSpPr>
+            <a:spLocks noGrp="1"/>
+          </p:cNvSpPr>
+          <p:nvPr>
+            <p:ph type="title"/>
+          </p:nvPr>
+        </p:nvSpPr>
+        <p:spPr>
+          <a:xfrm>
+            <a:off x="136664" y="54593"/>
+            <a:ext cx="7886700" cy="665018"/>
+          </a:xfrm>
+        </p:spPr>
+        <p:txBody>
+          <a:bodyPr/>
+          <a:lstStyle/>
+          <a:p>
+            <a:r>
+              <a:rPr lang="en-US" altLang="ko-KR" dirty="0"/>
+              <a:t>Proposal – Controller + MM</a:t>
+            </a:r>
+            <a:endParaRPr lang="ko-KR" altLang="en-US" dirty="0"/>
+          </a:p>
+        </p:txBody>
+      </p:sp>
+      <p:sp>
+        <p:nvSpPr>
+          <p:cNvPr id="4" name="텍스트 개체 틀 3">
+            <a:extLst>
+              <a:ext uri="{FF2B5EF4-FFF2-40B4-BE49-F238E27FC236}">
+                <a16:creationId xmlns:a16="http://schemas.microsoft.com/office/drawing/2014/main" id="{A599E83A-0476-45EA-AE26-18AE31709B9B}"/>
+              </a:ext>
+            </a:extLst>
+          </p:cNvPr>
+          <p:cNvSpPr>
+            <a:spLocks noGrp="1"/>
+          </p:cNvSpPr>
+          <p:nvPr>
+            <p:ph type="body" sz="quarter" idx="13"/>
+          </p:nvPr>
+        </p:nvSpPr>
+        <p:spPr>
+          <a:xfrm>
+            <a:off x="207963" y="955954"/>
+            <a:ext cx="8794721" cy="5394512"/>
+          </a:xfrm>
+        </p:spPr>
+        <p:txBody>
+          <a:bodyPr>
+            <a:normAutofit/>
+          </a:bodyPr>
+          <a:lstStyle/>
+          <a:p>
+            <a:pPr>
+              <a:lnSpc>
+                <a:spcPct val="100000"/>
+              </a:lnSpc>
+            </a:pPr>
+            <a:r>
+              <a:rPr lang="en-US" altLang="ko-KR" dirty="0" err="1"/>
+              <a:t>Adversiral</a:t>
+            </a:r>
+            <a:r>
+              <a:rPr lang="en-US" altLang="ko-KR" dirty="0"/>
+              <a:t> agent -- RL</a:t>
+            </a:r>
+          </a:p>
+          <a:p>
+            <a:pPr lvl="1">
+              <a:lnSpc>
+                <a:spcPct val="100000"/>
+              </a:lnSpc>
+            </a:pPr>
+            <a:r>
+              <a:rPr lang="en-US" altLang="ko-KR" dirty="0"/>
+              <a:t>Deep RL base</a:t>
+            </a:r>
+          </a:p>
+          <a:p>
+            <a:pPr lvl="2">
+              <a:lnSpc>
+                <a:spcPct val="100000"/>
+              </a:lnSpc>
+            </a:pPr>
+            <a:r>
+              <a:rPr lang="en-US" altLang="ko-KR" dirty="0"/>
+              <a:t>papers</a:t>
+            </a:r>
+            <a:endParaRPr lang="en-US" altLang="ko-KR" dirty="0">
+              <a:hlinkClick r:id="rId2"/>
+            </a:endParaRPr>
+          </a:p>
+          <a:p>
+            <a:pPr lvl="1">
+              <a:lnSpc>
+                <a:spcPct val="100000"/>
+              </a:lnSpc>
+            </a:pPr>
+            <a:endParaRPr lang="en-US" altLang="ko-KR" dirty="0">
+              <a:hlinkClick r:id="rId2"/>
+            </a:endParaRPr>
+          </a:p>
+          <a:p>
+            <a:pPr lvl="1">
+              <a:lnSpc>
+                <a:spcPct val="100000"/>
+              </a:lnSpc>
+            </a:pPr>
+            <a:r>
+              <a:rPr lang="en-US" altLang="ko-KR" dirty="0">
+                <a:hlinkClick r:id="rId3"/>
+              </a:rPr>
+              <a:t>https://github.com/HumanCompatibleAI/adversarial-policies</a:t>
+            </a:r>
+            <a:endParaRPr lang="en-US" altLang="ko-KR" dirty="0"/>
+          </a:p>
+          <a:p>
+            <a:pPr lvl="1">
+              <a:lnSpc>
+                <a:spcPct val="100000"/>
+              </a:lnSpc>
+            </a:pPr>
+            <a:endParaRPr lang="en-US" altLang="ko-KR" dirty="0"/>
+          </a:p>
+          <a:p>
+            <a:pPr lvl="1">
+              <a:lnSpc>
+                <a:spcPct val="100000"/>
+              </a:lnSpc>
+            </a:pPr>
+            <a:r>
+              <a:rPr lang="en-US" altLang="ko-KR" dirty="0"/>
+              <a:t>Agent</a:t>
+            </a:r>
+          </a:p>
+          <a:p>
+            <a:pPr lvl="2">
+              <a:lnSpc>
+                <a:spcPct val="100000"/>
+              </a:lnSpc>
+            </a:pPr>
+            <a:r>
+              <a:rPr lang="en-US" altLang="ko-KR" dirty="0"/>
+              <a:t>Unoptimized mobile robot (Urgent situation)</a:t>
+            </a:r>
+          </a:p>
+          <a:p>
+            <a:pPr lvl="2">
+              <a:lnSpc>
+                <a:spcPct val="100000"/>
+              </a:lnSpc>
+            </a:pPr>
+            <a:r>
+              <a:rPr lang="en-US" altLang="ko-KR" dirty="0"/>
+              <a:t>Simple adverse </a:t>
+            </a:r>
+            <a:r>
+              <a:rPr lang="en-US" altLang="ko-KR" dirty="0" err="1"/>
+              <a:t>agnet</a:t>
+            </a:r>
+            <a:endParaRPr lang="en-US" altLang="ko-KR" dirty="0"/>
+          </a:p>
+          <a:p>
+            <a:pPr lvl="1">
+              <a:lnSpc>
+                <a:spcPct val="100000"/>
+              </a:lnSpc>
+            </a:pPr>
+            <a:endParaRPr lang="en-US" altLang="ko-KR" dirty="0"/>
+          </a:p>
+          <a:p>
+            <a:pPr lvl="1">
+              <a:lnSpc>
+                <a:spcPct val="100000"/>
+              </a:lnSpc>
+            </a:pPr>
+            <a:r>
+              <a:rPr lang="en-US" altLang="ko-KR" dirty="0"/>
+              <a:t>How to simulation?</a:t>
+            </a:r>
+          </a:p>
+          <a:p>
+            <a:pPr lvl="1">
+              <a:lnSpc>
+                <a:spcPct val="100000"/>
+              </a:lnSpc>
+            </a:pPr>
+            <a:r>
+              <a:rPr lang="en-US" altLang="ko-KR" dirty="0"/>
+              <a:t>RL?</a:t>
+            </a:r>
+          </a:p>
+          <a:p>
+            <a:pPr lvl="1">
+              <a:lnSpc>
+                <a:spcPct val="100000"/>
+              </a:lnSpc>
+            </a:pPr>
+            <a:endParaRPr lang="en-US" altLang="ko-KR" dirty="0"/>
+          </a:p>
+          <a:p>
+            <a:pPr>
+              <a:lnSpc>
+                <a:spcPct val="100000"/>
+              </a:lnSpc>
+            </a:pPr>
+            <a:r>
+              <a:rPr lang="en-US" altLang="ko-KR" dirty="0"/>
+              <a:t>W/O RL ? (Only add </a:t>
+            </a:r>
+            <a:r>
+              <a:rPr lang="en-US" altLang="ko-KR" dirty="0" err="1"/>
+              <a:t>adeverial</a:t>
+            </a:r>
+            <a:r>
+              <a:rPr lang="en-US" altLang="ko-KR" dirty="0"/>
+              <a:t> agent)</a:t>
+            </a:r>
+          </a:p>
+          <a:p>
+            <a:pPr lvl="1">
+              <a:lnSpc>
+                <a:spcPct val="100000"/>
+              </a:lnSpc>
+            </a:pPr>
+            <a:r>
+              <a:rPr lang="en-US" altLang="ko-KR" dirty="0"/>
+              <a:t>Rule base controller</a:t>
+            </a:r>
+          </a:p>
+          <a:p>
+            <a:pPr lvl="1">
+              <a:lnSpc>
+                <a:spcPct val="100000"/>
+              </a:lnSpc>
+            </a:pPr>
+            <a:endParaRPr lang="en-US" altLang="ko-KR" dirty="0"/>
+          </a:p>
+          <a:p>
+            <a:pPr>
+              <a:lnSpc>
+                <a:spcPct val="100000"/>
+              </a:lnSpc>
+            </a:pPr>
+            <a:endParaRPr lang="en-US" altLang="ko-KR" dirty="0"/>
+          </a:p>
+          <a:p>
+            <a:pPr lvl="1">
+              <a:lnSpc>
+                <a:spcPct val="100000"/>
+              </a:lnSpc>
+            </a:pPr>
+            <a:endParaRPr lang="en-US" altLang="ko-KR" dirty="0"/>
+          </a:p>
+          <a:p>
+            <a:pPr lvl="2">
+              <a:lnSpc>
+                <a:spcPct val="100000"/>
+              </a:lnSpc>
+            </a:pPr>
+            <a:endParaRPr lang="en-US" altLang="ko-KR" dirty="0"/>
+          </a:p>
+          <a:p>
+            <a:pPr lvl="1">
+              <a:lnSpc>
+                <a:spcPct val="100000"/>
+              </a:lnSpc>
+            </a:pPr>
+            <a:endParaRPr lang="en-US" altLang="ko-KR" dirty="0"/>
+          </a:p>
+          <a:p>
+            <a:pPr lvl="1">
+              <a:lnSpc>
+                <a:spcPct val="100000"/>
+              </a:lnSpc>
+            </a:pPr>
+            <a:endParaRPr lang="en-US" altLang="ko-KR" dirty="0"/>
+          </a:p>
+        </p:txBody>
+      </p:sp>
+    </p:spTree>
+    <p:extLst>
+      <p:ext uri="{BB962C8B-B14F-4D97-AF65-F5344CB8AC3E}">
+        <p14:creationId xmlns:p14="http://schemas.microsoft.com/office/powerpoint/2010/main" val="1709528151"/>
       </p:ext>
     </p:extLst>
   </p:cSld>

--- a/MLP_Project/0402/210402_MLP_HWlee.pptx
+++ b/MLP_Project/0402/210402_MLP_HWlee.pptx
@@ -5,7 +5,7 @@
     <p:sldMasterId id="2147483660" r:id="rId1"/>
   </p:sldMasterIdLst>
   <p:notesMasterIdLst>
-    <p:notesMasterId r:id="rId7"/>
+    <p:notesMasterId r:id="rId8"/>
   </p:notesMasterIdLst>
   <p:sldIdLst>
     <p:sldId id="260" r:id="rId2"/>
@@ -13,6 +13,7 @@
     <p:sldId id="286" r:id="rId4"/>
     <p:sldId id="288" r:id="rId5"/>
     <p:sldId id="290" r:id="rId6"/>
+    <p:sldId id="291" r:id="rId7"/>
   </p:sldIdLst>
   <p:sldSz cx="9144000" cy="6858000" type="screen4x3"/>
   <p:notesSz cx="6858000" cy="9144000"/>
@@ -5526,7 +5527,15 @@
           <a:p>
             <a:r>
               <a:rPr lang="en-US" altLang="ko-KR" dirty="0"/>
-              <a:t>Proposal – Controller + MM</a:t>
+              <a:t>Proposal – </a:t>
+            </a:r>
+            <a:r>
+              <a:rPr lang="en-US" altLang="ko-KR" dirty="0" err="1"/>
+              <a:t>Descion</a:t>
+            </a:r>
+            <a:r>
+              <a:rPr lang="en-US" altLang="ko-KR" dirty="0"/>
+              <a:t> rule</a:t>
             </a:r>
             <a:endParaRPr lang="ko-KR" altLang="en-US" dirty="0"/>
           </a:p>
@@ -5567,11 +5576,11 @@
             </a:pPr>
             <a:r>
               <a:rPr lang="en-US" altLang="ko-KR" dirty="0" err="1"/>
-              <a:t>Adversiral</a:t>
+              <a:t>Descion</a:t>
             </a:r>
             <a:r>
               <a:rPr lang="en-US" altLang="ko-KR" dirty="0"/>
-              <a:t> agent -- RL</a:t>
+              <a:t> rule modification </a:t>
             </a:r>
           </a:p>
           <a:p>
@@ -5582,7 +5591,7 @@
             </a:pPr>
             <a:r>
               <a:rPr lang="en-US" altLang="ko-KR" dirty="0"/>
-              <a:t>Deep RL base</a:t>
+              <a:t>ROA &amp; RSP</a:t>
             </a:r>
           </a:p>
           <a:p>
@@ -5593,7 +5602,18 @@
             </a:pPr>
             <a:r>
               <a:rPr lang="en-US" altLang="ko-KR" dirty="0"/>
-              <a:t>papers</a:t>
+              <a:t>Split it as RSP after ROA</a:t>
+            </a:r>
+          </a:p>
+          <a:p>
+            <a:pPr lvl="2">
+              <a:lnSpc>
+                <a:spcPct val="100000"/>
+              </a:lnSpc>
+            </a:pPr>
+            <a:r>
+              <a:rPr lang="en-US" altLang="ko-KR" dirty="0"/>
+              <a:t>Merge POA and PPS together</a:t>
             </a:r>
             <a:endParaRPr lang="en-US" altLang="ko-KR" dirty="0">
               <a:hlinkClick r:id="rId2"/>
@@ -5605,9 +5625,7 @@
                 <a:spcPct val="100000"/>
               </a:lnSpc>
             </a:pPr>
-            <a:endParaRPr lang="en-US" altLang="ko-KR" dirty="0">
-              <a:hlinkClick r:id="rId2"/>
-            </a:endParaRPr>
+            <a:endParaRPr lang="en-US" altLang="ko-KR" dirty="0"/>
           </a:p>
           <a:p>
             <a:pPr lvl="1">
@@ -5616,11 +5634,35 @@
               </a:lnSpc>
             </a:pPr>
             <a:r>
-              <a:rPr lang="en-US" altLang="ko-KR" dirty="0">
-                <a:hlinkClick r:id="rId3"/>
-              </a:rPr>
-              <a:t>https://github.com/HumanCompatibleAI/adversarial-policies</a:t>
-            </a:r>
+              <a:rPr lang="en-US" altLang="ko-KR" dirty="0"/>
+              <a:t>Related papers</a:t>
+            </a:r>
+          </a:p>
+          <a:p>
+            <a:pPr lvl="2">
+              <a:lnSpc>
+                <a:spcPct val="100000"/>
+              </a:lnSpc>
+            </a:pPr>
+            <a:r>
+              <a:rPr lang="en-US" altLang="ko-KR" dirty="0"/>
+              <a:t>Lin </a:t>
+            </a:r>
+            <a:r>
+              <a:rPr lang="en-US" altLang="ko-KR" dirty="0" err="1"/>
+              <a:t>Xie</a:t>
+            </a:r>
+            <a:r>
+              <a:rPr lang="en-US" altLang="ko-KR" dirty="0"/>
+              <a:t>, Introducing split orders and optimizing operational policies in RMFS</a:t>
+            </a:r>
+          </a:p>
+          <a:p>
+            <a:pPr lvl="1">
+              <a:lnSpc>
+                <a:spcPct val="100000"/>
+              </a:lnSpc>
+            </a:pPr>
             <a:endParaRPr lang="en-US" altLang="ko-KR" dirty="0"/>
           </a:p>
           <a:p>
@@ -5637,10 +5679,58 @@
                 <a:spcPct val="100000"/>
               </a:lnSpc>
             </a:pPr>
+            <a:endParaRPr lang="en-US" altLang="ko-KR" dirty="0"/>
+          </a:p>
+          <a:p>
+            <a:pPr lvl="1">
+              <a:lnSpc>
+                <a:spcPct val="100000"/>
+              </a:lnSpc>
+            </a:pPr>
+            <a:endParaRPr lang="en-US" altLang="ko-KR" dirty="0"/>
+          </a:p>
+          <a:p>
+            <a:pPr lvl="1">
+              <a:lnSpc>
+                <a:spcPct val="100000"/>
+              </a:lnSpc>
+            </a:pPr>
+            <a:endParaRPr lang="en-US" altLang="ko-KR" dirty="0"/>
+          </a:p>
+          <a:p>
+            <a:pPr lvl="1">
+              <a:lnSpc>
+                <a:spcPct val="100000"/>
+              </a:lnSpc>
+            </a:pPr>
+            <a:endParaRPr lang="en-US" altLang="ko-KR" dirty="0"/>
+          </a:p>
+          <a:p>
+            <a:pPr>
+              <a:lnSpc>
+                <a:spcPct val="100000"/>
+              </a:lnSpc>
+            </a:pPr>
             <a:r>
               <a:rPr lang="en-US" altLang="ko-KR" dirty="0"/>
-              <a:t>Agent</a:t>
-            </a:r>
+              <a:t>How to apply to our project? (Future work)</a:t>
+            </a:r>
+          </a:p>
+          <a:p>
+            <a:pPr>
+              <a:lnSpc>
+                <a:spcPct val="100000"/>
+              </a:lnSpc>
+            </a:pPr>
+            <a:endParaRPr lang="en-US" altLang="ko-KR" dirty="0"/>
+          </a:p>
+          <a:p>
+            <a:pPr lvl="1">
+              <a:lnSpc>
+                <a:spcPct val="100000"/>
+              </a:lnSpc>
+            </a:pPr>
+            <a:endParaRPr lang="en-US" altLang="ko-KR" dirty="0"/>
           </a:p>
           <a:p>
             <a:pPr lvl="2">
@@ -5648,25 +5738,6 @@
                 <a:spcPct val="100000"/>
               </a:lnSpc>
             </a:pPr>
-            <a:r>
-              <a:rPr lang="en-US" altLang="ko-KR" dirty="0"/>
-              <a:t>Unoptimized mobile robot (Urgent situation)</a:t>
-            </a:r>
-          </a:p>
-          <a:p>
-            <a:pPr lvl="2">
-              <a:lnSpc>
-                <a:spcPct val="100000"/>
-              </a:lnSpc>
-            </a:pPr>
-            <a:r>
-              <a:rPr lang="en-US" altLang="ko-KR" dirty="0"/>
-              <a:t>Simple adverse </a:t>
-            </a:r>
-            <a:r>
-              <a:rPr lang="en-US" altLang="ko-KR" dirty="0" err="1"/>
-              <a:t>agnet</a:t>
-            </a:r>
             <a:endParaRPr lang="en-US" altLang="ko-KR" dirty="0"/>
           </a:p>
           <a:p>
@@ -5683,114 +5754,347 @@
                 <a:spcPct val="100000"/>
               </a:lnSpc>
             </a:pPr>
-            <a:r>
-              <a:rPr lang="en-US" altLang="ko-KR" dirty="0"/>
-              <a:t>How to simulation?</a:t>
-            </a:r>
-          </a:p>
-          <a:p>
-            <a:pPr lvl="1">
-              <a:lnSpc>
-                <a:spcPct val="100000"/>
-              </a:lnSpc>
-            </a:pPr>
-            <a:r>
-              <a:rPr lang="en-US" altLang="ko-KR" dirty="0"/>
-              <a:t>RL?</a:t>
-            </a:r>
-          </a:p>
-          <a:p>
-            <a:pPr lvl="1">
-              <a:lnSpc>
-                <a:spcPct val="100000"/>
-              </a:lnSpc>
-            </a:pPr>
             <a:endParaRPr lang="en-US" altLang="ko-KR" dirty="0"/>
           </a:p>
-          <a:p>
-            <a:pPr>
-              <a:lnSpc>
-                <a:spcPct val="100000"/>
-              </a:lnSpc>
-            </a:pPr>
-            <a:r>
-              <a:rPr lang="en-US" altLang="ko-KR" dirty="0"/>
-              <a:t>W/O RL ? (Only add </a:t>
-            </a:r>
-            <a:r>
-              <a:rPr lang="en-US" altLang="ko-KR" dirty="0" err="1"/>
-              <a:t>adeverial</a:t>
-            </a:r>
-            <a:r>
-              <a:rPr lang="en-US" altLang="ko-KR" dirty="0"/>
-              <a:t> agent)</a:t>
-            </a:r>
-          </a:p>
-          <a:p>
-            <a:pPr lvl="1">
-              <a:lnSpc>
-                <a:spcPct val="100000"/>
-              </a:lnSpc>
-            </a:pPr>
-            <a:r>
-              <a:rPr lang="en-US" altLang="ko-KR" dirty="0"/>
-              <a:t>Rule base controller</a:t>
-            </a:r>
-          </a:p>
-          <a:p>
-            <a:pPr lvl="1">
-              <a:lnSpc>
-                <a:spcPct val="100000"/>
-              </a:lnSpc>
-            </a:pPr>
-            <a:endParaRPr lang="en-US" altLang="ko-KR" dirty="0"/>
-          </a:p>
-          <a:p>
-            <a:pPr>
-              <a:lnSpc>
-                <a:spcPct val="100000"/>
-              </a:lnSpc>
-            </a:pPr>
-            <a:endParaRPr lang="en-US" altLang="ko-KR" dirty="0"/>
-          </a:p>
-          <a:p>
-            <a:pPr lvl="1">
-              <a:lnSpc>
-                <a:spcPct val="100000"/>
-              </a:lnSpc>
-            </a:pPr>
-            <a:endParaRPr lang="en-US" altLang="ko-KR" dirty="0"/>
-          </a:p>
-          <a:p>
-            <a:pPr lvl="2">
-              <a:lnSpc>
-                <a:spcPct val="100000"/>
-              </a:lnSpc>
-            </a:pPr>
-            <a:endParaRPr lang="en-US" altLang="ko-KR" dirty="0"/>
-          </a:p>
-          <a:p>
-            <a:pPr lvl="1">
-              <a:lnSpc>
-                <a:spcPct val="100000"/>
-              </a:lnSpc>
-            </a:pPr>
-            <a:endParaRPr lang="en-US" altLang="ko-KR" dirty="0"/>
-          </a:p>
-          <a:p>
-            <a:pPr lvl="1">
-              <a:lnSpc>
-                <a:spcPct val="100000"/>
-              </a:lnSpc>
-            </a:pPr>
-            <a:endParaRPr lang="en-US" altLang="ko-KR" dirty="0"/>
-          </a:p>
-        </p:txBody>
-      </p:sp>
+        </p:txBody>
+      </p:sp>
+      <p:pic>
+        <p:nvPicPr>
+          <p:cNvPr id="5" name="그림 4">
+            <a:extLst>
+              <a:ext uri="{FF2B5EF4-FFF2-40B4-BE49-F238E27FC236}">
+                <a16:creationId xmlns:a16="http://schemas.microsoft.com/office/drawing/2014/main" id="{CB8FC32C-CD95-426F-A0F0-FD2BEEFFAB00}"/>
+              </a:ext>
+            </a:extLst>
+          </p:cNvPr>
+          <p:cNvPicPr>
+            <a:picLocks noChangeAspect="1"/>
+          </p:cNvPicPr>
+          <p:nvPr/>
+        </p:nvPicPr>
+        <p:blipFill>
+          <a:blip r:embed="rId3"/>
+          <a:stretch>
+            <a:fillRect/>
+          </a:stretch>
+        </p:blipFill>
+        <p:spPr>
+          <a:xfrm>
+            <a:off x="2501549" y="3429000"/>
+            <a:ext cx="5521815" cy="2187072"/>
+          </a:xfrm>
+          <a:prstGeom prst="rect">
+            <a:avLst/>
+          </a:prstGeom>
+        </p:spPr>
+      </p:pic>
     </p:spTree>
     <p:extLst>
       <p:ext uri="{BB962C8B-B14F-4D97-AF65-F5344CB8AC3E}">
         <p14:creationId xmlns:p14="http://schemas.microsoft.com/office/powerpoint/2010/main" val="1709528151"/>
+      </p:ext>
+    </p:extLst>
+  </p:cSld>
+  <p:clrMapOvr>
+    <a:masterClrMapping/>
+  </p:clrMapOvr>
+</p:sld>
+</file>
+
+<file path=ppt/slides/slide6.xml><?xml version="1.0" encoding="utf-8"?>
+<p:sld xmlns:a="http://schemas.openxmlformats.org/drawingml/2006/main" xmlns:r="http://schemas.openxmlformats.org/officeDocument/2006/relationships" xmlns:p="http://schemas.openxmlformats.org/presentationml/2006/main">
+  <p:cSld>
+    <p:spTree>
+      <p:nvGrpSpPr>
+        <p:cNvPr id="1" name=""/>
+        <p:cNvGrpSpPr/>
+        <p:nvPr/>
+      </p:nvGrpSpPr>
+      <p:grpSpPr>
+        <a:xfrm>
+          <a:off x="0" y="0"/>
+          <a:ext cx="0" cy="0"/>
+          <a:chOff x="0" y="0"/>
+          <a:chExt cx="0" cy="0"/>
+        </a:xfrm>
+      </p:grpSpPr>
+      <p:sp>
+        <p:nvSpPr>
+          <p:cNvPr id="2" name="슬라이드 번호 개체 틀 1">
+            <a:extLst>
+              <a:ext uri="{FF2B5EF4-FFF2-40B4-BE49-F238E27FC236}">
+                <a16:creationId xmlns:a16="http://schemas.microsoft.com/office/drawing/2014/main" id="{46CC4388-5CBE-4814-8E8B-FAB97B394E89}"/>
+              </a:ext>
+            </a:extLst>
+          </p:cNvPr>
+          <p:cNvSpPr>
+            <a:spLocks noGrp="1"/>
+          </p:cNvSpPr>
+          <p:nvPr>
+            <p:ph type="sldNum" sz="quarter" idx="12"/>
+          </p:nvPr>
+        </p:nvSpPr>
+        <p:spPr/>
+        <p:txBody>
+          <a:bodyPr/>
+          <a:lstStyle/>
+          <a:p>
+            <a:fld id="{A1806F79-321D-440B-81D1-3409D93E33A7}" type="slidenum">
+              <a:rPr lang="ko-KR" altLang="en-US" smtClean="0"/>
+              <a:pPr/>
+              <a:t>6</a:t>
+            </a:fld>
+            <a:endParaRPr lang="ko-KR" altLang="en-US"/>
+          </a:p>
+        </p:txBody>
+      </p:sp>
+      <p:sp>
+        <p:nvSpPr>
+          <p:cNvPr id="3" name="제목 2">
+            <a:extLst>
+              <a:ext uri="{FF2B5EF4-FFF2-40B4-BE49-F238E27FC236}">
+                <a16:creationId xmlns:a16="http://schemas.microsoft.com/office/drawing/2014/main" id="{047B81AA-680E-486D-99E8-DCEB0D351281}"/>
+              </a:ext>
+            </a:extLst>
+          </p:cNvPr>
+          <p:cNvSpPr>
+            <a:spLocks noGrp="1"/>
+          </p:cNvSpPr>
+          <p:nvPr>
+            <p:ph type="title"/>
+          </p:nvPr>
+        </p:nvSpPr>
+        <p:spPr>
+          <a:xfrm>
+            <a:off x="136664" y="54593"/>
+            <a:ext cx="7886700" cy="665018"/>
+          </a:xfrm>
+        </p:spPr>
+        <p:txBody>
+          <a:bodyPr/>
+          <a:lstStyle/>
+          <a:p>
+            <a:r>
+              <a:rPr lang="en-US" altLang="ko-KR" dirty="0"/>
+              <a:t>Proposal – Pod classification </a:t>
+            </a:r>
+            <a:endParaRPr lang="ko-KR" altLang="en-US" dirty="0"/>
+          </a:p>
+        </p:txBody>
+      </p:sp>
+      <p:sp>
+        <p:nvSpPr>
+          <p:cNvPr id="4" name="텍스트 개체 틀 3">
+            <a:extLst>
+              <a:ext uri="{FF2B5EF4-FFF2-40B4-BE49-F238E27FC236}">
+                <a16:creationId xmlns:a16="http://schemas.microsoft.com/office/drawing/2014/main" id="{A599E83A-0476-45EA-AE26-18AE31709B9B}"/>
+              </a:ext>
+            </a:extLst>
+          </p:cNvPr>
+          <p:cNvSpPr>
+            <a:spLocks noGrp="1"/>
+          </p:cNvSpPr>
+          <p:nvPr>
+            <p:ph type="body" sz="quarter" idx="13"/>
+          </p:nvPr>
+        </p:nvSpPr>
+        <p:spPr>
+          <a:xfrm>
+            <a:off x="207963" y="955954"/>
+            <a:ext cx="8794721" cy="5394512"/>
+          </a:xfrm>
+        </p:spPr>
+        <p:txBody>
+          <a:bodyPr>
+            <a:normAutofit/>
+          </a:bodyPr>
+          <a:lstStyle/>
+          <a:p>
+            <a:pPr>
+              <a:lnSpc>
+                <a:spcPct val="100000"/>
+              </a:lnSpc>
+            </a:pPr>
+            <a:r>
+              <a:rPr lang="en-US" altLang="ko-KR" dirty="0"/>
+              <a:t>Classification along the..</a:t>
+            </a:r>
+          </a:p>
+          <a:p>
+            <a:pPr lvl="1">
+              <a:lnSpc>
+                <a:spcPct val="100000"/>
+              </a:lnSpc>
+            </a:pPr>
+            <a:r>
+              <a:rPr lang="en-US" altLang="ko-KR" dirty="0"/>
+              <a:t> Frequency or Importance</a:t>
+            </a:r>
+          </a:p>
+          <a:p>
+            <a:pPr lvl="2">
+              <a:lnSpc>
+                <a:spcPct val="100000"/>
+              </a:lnSpc>
+            </a:pPr>
+            <a:r>
+              <a:rPr lang="en-US" altLang="ko-KR" dirty="0"/>
+              <a:t>Arrange items </a:t>
+            </a:r>
+          </a:p>
+          <a:p>
+            <a:pPr lvl="2">
+              <a:lnSpc>
+                <a:spcPct val="100000"/>
+              </a:lnSpc>
+            </a:pPr>
+            <a:r>
+              <a:rPr lang="en-US" altLang="ko-KR" dirty="0"/>
+              <a:t>Find optimal arrangement</a:t>
+            </a:r>
+          </a:p>
+          <a:p>
+            <a:pPr lvl="2">
+              <a:lnSpc>
+                <a:spcPct val="100000"/>
+              </a:lnSpc>
+            </a:pPr>
+            <a:r>
+              <a:rPr lang="en-US" altLang="ko-KR" dirty="0"/>
+              <a:t>Using </a:t>
+            </a:r>
+            <a:r>
+              <a:rPr lang="en-US" altLang="ko-KR" dirty="0" err="1"/>
+              <a:t>Classfication</a:t>
+            </a:r>
+            <a:r>
+              <a:rPr lang="en-US" altLang="ko-KR" dirty="0"/>
+              <a:t> algorithm with proper weight</a:t>
+            </a:r>
+          </a:p>
+          <a:p>
+            <a:pPr marL="457200" lvl="1" indent="0">
+              <a:lnSpc>
+                <a:spcPct val="100000"/>
+              </a:lnSpc>
+              <a:buNone/>
+            </a:pPr>
+            <a:endParaRPr lang="en-US" altLang="ko-KR" dirty="0"/>
+          </a:p>
+          <a:p>
+            <a:pPr lvl="1">
+              <a:lnSpc>
+                <a:spcPct val="100000"/>
+              </a:lnSpc>
+            </a:pPr>
+            <a:endParaRPr lang="en-US" altLang="ko-KR" dirty="0"/>
+          </a:p>
+          <a:p>
+            <a:pPr lvl="1">
+              <a:lnSpc>
+                <a:spcPct val="100000"/>
+              </a:lnSpc>
+            </a:pPr>
+            <a:r>
+              <a:rPr lang="en-US" altLang="ko-KR" dirty="0"/>
+              <a:t>Dependency</a:t>
+            </a:r>
+          </a:p>
+          <a:p>
+            <a:pPr lvl="2">
+              <a:lnSpc>
+                <a:spcPct val="100000"/>
+              </a:lnSpc>
+            </a:pPr>
+            <a:r>
+              <a:rPr lang="en-US" altLang="ko-KR" dirty="0"/>
+              <a:t>Ex) Korean food such as </a:t>
+            </a:r>
+            <a:r>
+              <a:rPr lang="ko-KR" altLang="en-US" dirty="0"/>
+              <a:t>보쌈</a:t>
+            </a:r>
+            <a:endParaRPr lang="en-US" altLang="ko-KR" dirty="0"/>
+          </a:p>
+          <a:p>
+            <a:pPr lvl="3">
+              <a:lnSpc>
+                <a:spcPct val="100000"/>
+              </a:lnSpc>
+            </a:pPr>
+            <a:r>
+              <a:rPr lang="en-US" altLang="ko-KR" dirty="0"/>
+              <a:t>Includes meats, vegetables etc.</a:t>
+            </a:r>
+          </a:p>
+          <a:p>
+            <a:pPr lvl="2">
+              <a:lnSpc>
+                <a:spcPct val="100000"/>
+              </a:lnSpc>
+            </a:pPr>
+            <a:r>
+              <a:rPr lang="en-US" altLang="ko-KR" dirty="0"/>
+              <a:t>We can make them arrange together</a:t>
+            </a:r>
+          </a:p>
+          <a:p>
+            <a:pPr lvl="2">
+              <a:lnSpc>
+                <a:spcPct val="100000"/>
+              </a:lnSpc>
+            </a:pPr>
+            <a:endParaRPr lang="en-US" altLang="ko-KR" dirty="0"/>
+          </a:p>
+          <a:p>
+            <a:pPr lvl="2">
+              <a:lnSpc>
+                <a:spcPct val="100000"/>
+              </a:lnSpc>
+            </a:pPr>
+            <a:r>
+              <a:rPr lang="en-US" altLang="ko-KR" dirty="0"/>
+              <a:t>Find the specific dataset from Kaggle or somewhere</a:t>
+            </a:r>
+          </a:p>
+          <a:p>
+            <a:pPr lvl="1">
+              <a:lnSpc>
+                <a:spcPct val="100000"/>
+              </a:lnSpc>
+            </a:pPr>
+            <a:endParaRPr lang="en-US" altLang="ko-KR" dirty="0"/>
+          </a:p>
+          <a:p>
+            <a:pPr lvl="2">
+              <a:lnSpc>
+                <a:spcPct val="100000"/>
+              </a:lnSpc>
+            </a:pPr>
+            <a:endParaRPr lang="en-US" altLang="ko-KR" dirty="0"/>
+          </a:p>
+          <a:p>
+            <a:pPr lvl="1">
+              <a:lnSpc>
+                <a:spcPct val="100000"/>
+              </a:lnSpc>
+            </a:pPr>
+            <a:endParaRPr lang="en-US" altLang="ko-KR" dirty="0"/>
+          </a:p>
+          <a:p>
+            <a:pPr lvl="1">
+              <a:lnSpc>
+                <a:spcPct val="100000"/>
+              </a:lnSpc>
+            </a:pPr>
+            <a:endParaRPr lang="en-US" altLang="ko-KR" dirty="0"/>
+          </a:p>
+        </p:txBody>
+      </p:sp>
+    </p:spTree>
+    <p:extLst>
+      <p:ext uri="{BB962C8B-B14F-4D97-AF65-F5344CB8AC3E}">
+        <p14:creationId xmlns:p14="http://schemas.microsoft.com/office/powerpoint/2010/main" val="350025865"/>
       </p:ext>
     </p:extLst>
   </p:cSld>
